--- a/05_02FilesCS152.pptx
+++ b/05_02FilesCS152.pptx
@@ -286,7 +286,7 @@
   <pc:docChgLst>
     <pc:chgData name="Moraes,Marcia" userId="c9c67e8a-58e2-4733-9a1c-5d44fec4775b" providerId="ADAL" clId="{4E3B83FF-25F6-43BF-95B0-B478B0802F6F}"/>
     <pc:docChg chg="undo custSel addSld delSld modSld sldOrd">
-      <pc:chgData name="Moraes,Marcia" userId="c9c67e8a-58e2-4733-9a1c-5d44fec4775b" providerId="ADAL" clId="{4E3B83FF-25F6-43BF-95B0-B478B0802F6F}" dt="2022-09-21T00:00:43.303" v="1751" actId="15"/>
+      <pc:chgData name="Moraes,Marcia" userId="c9c67e8a-58e2-4733-9a1c-5d44fec4775b" providerId="ADAL" clId="{4E3B83FF-25F6-43BF-95B0-B478B0802F6F}" dt="2022-09-21T18:55:46.065" v="1758" actId="20577"/>
       <pc:docMkLst>
         <pc:docMk/>
       </pc:docMkLst>
@@ -651,7 +651,7 @@
         </pc:spChg>
       </pc:sldChg>
       <pc:sldChg chg="delSp modSp add mod">
-        <pc:chgData name="Moraes,Marcia" userId="c9c67e8a-58e2-4733-9a1c-5d44fec4775b" providerId="ADAL" clId="{4E3B83FF-25F6-43BF-95B0-B478B0802F6F}" dt="2022-09-20T23:54:26.111" v="1457" actId="20577"/>
+        <pc:chgData name="Moraes,Marcia" userId="c9c67e8a-58e2-4733-9a1c-5d44fec4775b" providerId="ADAL" clId="{4E3B83FF-25F6-43BF-95B0-B478B0802F6F}" dt="2022-09-21T18:55:46.065" v="1758" actId="20577"/>
         <pc:sldMkLst>
           <pc:docMk/>
           <pc:sldMk cId="1971522944" sldId="297"/>
@@ -665,7 +665,7 @@
           </ac:spMkLst>
         </pc:spChg>
         <pc:spChg chg="mod">
-          <ac:chgData name="Moraes,Marcia" userId="c9c67e8a-58e2-4733-9a1c-5d44fec4775b" providerId="ADAL" clId="{4E3B83FF-25F6-43BF-95B0-B478B0802F6F}" dt="2022-09-20T23:54:26.111" v="1457" actId="20577"/>
+          <ac:chgData name="Moraes,Marcia" userId="c9c67e8a-58e2-4733-9a1c-5d44fec4775b" providerId="ADAL" clId="{4E3B83FF-25F6-43BF-95B0-B478B0802F6F}" dt="2022-09-21T18:55:46.065" v="1758" actId="20577"/>
           <ac:spMkLst>
             <pc:docMk/>
             <pc:sldMk cId="1971522944" sldId="297"/>
@@ -20714,13 +20714,13 @@
   <p:clrMapOvr>
     <a:masterClrMapping/>
   </p:clrMapOvr>
-  <mc:AlternateContent xmlns:mc="http://schemas.openxmlformats.org/markup-compatibility/2006">
-    <mc:Choice xmlns:p14="http://schemas.microsoft.com/office/powerpoint/2010/main" Requires="p14">
+  <mc:AlternateContent xmlns:mc="http://schemas.openxmlformats.org/markup-compatibility/2006" xmlns:p14="http://schemas.microsoft.com/office/powerpoint/2010/main">
+    <mc:Choice Requires="p14">
       <p:transition p14:dur="300">
         <p:fade/>
       </p:transition>
     </mc:Choice>
-    <mc:Fallback>
+    <mc:Fallback xmlns="">
       <p:transition>
         <p:fade/>
       </p:transition>
@@ -21084,13 +21084,13 @@
   <p:clrMapOvr>
     <a:masterClrMapping/>
   </p:clrMapOvr>
-  <mc:AlternateContent xmlns:mc="http://schemas.openxmlformats.org/markup-compatibility/2006">
-    <mc:Choice xmlns:p14="http://schemas.microsoft.com/office/powerpoint/2010/main" Requires="p14">
+  <mc:AlternateContent xmlns:mc="http://schemas.openxmlformats.org/markup-compatibility/2006" xmlns:p14="http://schemas.microsoft.com/office/powerpoint/2010/main">
+    <mc:Choice Requires="p14">
       <p:transition p14:dur="300">
         <p:fade/>
       </p:transition>
     </mc:Choice>
-    <mc:Fallback>
+    <mc:Fallback xmlns="">
       <p:transition>
         <p:fade/>
       </p:transition>
@@ -21213,8 +21213,8 @@
           <a:p>
             <a:pPr lvl="1"/>
             <a:r>
-              <a:rPr lang="en-US" sz="1536" dirty="0"/>
-              <a:t>remove(</a:t>
+              <a:rPr lang="en-US" sz="1536"/>
+              <a:t>replace(</a:t>
             </a:r>
             <a:r>
               <a:rPr lang="en-US" sz="1536" dirty="0" err="1"/>
@@ -21277,13 +21277,13 @@
   <p:clrMapOvr>
     <a:masterClrMapping/>
   </p:clrMapOvr>
-  <mc:AlternateContent xmlns:mc="http://schemas.openxmlformats.org/markup-compatibility/2006">
-    <mc:Choice xmlns:p14="http://schemas.microsoft.com/office/powerpoint/2010/main" Requires="p14">
+  <mc:AlternateContent xmlns:mc="http://schemas.openxmlformats.org/markup-compatibility/2006" xmlns:p14="http://schemas.microsoft.com/office/powerpoint/2010/main">
+    <mc:Choice Requires="p14">
       <p:transition p14:dur="300">
         <p:fade/>
       </p:transition>
     </mc:Choice>
-    <mc:Fallback>
+    <mc:Fallback xmlns="">
       <p:transition>
         <p:fade/>
       </p:transition>
@@ -21450,13 +21450,13 @@
   <p:clrMapOvr>
     <a:masterClrMapping/>
   </p:clrMapOvr>
-  <mc:AlternateContent xmlns:mc="http://schemas.openxmlformats.org/markup-compatibility/2006">
-    <mc:Choice xmlns:p14="http://schemas.microsoft.com/office/powerpoint/2010/main" Requires="p14">
+  <mc:AlternateContent xmlns:mc="http://schemas.openxmlformats.org/markup-compatibility/2006" xmlns:p14="http://schemas.microsoft.com/office/powerpoint/2010/main">
+    <mc:Choice Requires="p14">
       <p:transition p14:dur="300">
         <p:fade/>
       </p:transition>
     </mc:Choice>
-    <mc:Fallback>
+    <mc:Fallback xmlns="">
       <p:transition>
         <p:fade/>
       </p:transition>
@@ -22022,13 +22022,13 @@
   <p:clrMapOvr>
     <a:masterClrMapping/>
   </p:clrMapOvr>
-  <mc:AlternateContent xmlns:mc="http://schemas.openxmlformats.org/markup-compatibility/2006">
-    <mc:Choice xmlns:p14="http://schemas.microsoft.com/office/powerpoint/2010/main" Requires="p14">
+  <mc:AlternateContent xmlns:mc="http://schemas.openxmlformats.org/markup-compatibility/2006" xmlns:p14="http://schemas.microsoft.com/office/powerpoint/2010/main">
+    <mc:Choice Requires="p14">
       <p:transition p14:dur="300">
         <p:fade/>
       </p:transition>
     </mc:Choice>
-    <mc:Fallback>
+    <mc:Fallback xmlns="">
       <p:transition>
         <p:fade/>
       </p:transition>
@@ -22997,13 +22997,13 @@
   <p:clrMapOvr>
     <a:masterClrMapping/>
   </p:clrMapOvr>
-  <mc:AlternateContent xmlns:mc="http://schemas.openxmlformats.org/markup-compatibility/2006">
-    <mc:Choice xmlns:p14="http://schemas.microsoft.com/office/powerpoint/2010/main" Requires="p14">
+  <mc:AlternateContent xmlns:mc="http://schemas.openxmlformats.org/markup-compatibility/2006" xmlns:p14="http://schemas.microsoft.com/office/powerpoint/2010/main">
+    <mc:Choice Requires="p14">
       <p:transition p14:dur="300">
         <p:fade/>
       </p:transition>
     </mc:Choice>
-    <mc:Fallback>
+    <mc:Fallback xmlns="">
       <p:transition>
         <p:fade/>
       </p:transition>
@@ -23452,13 +23452,13 @@
   <p:clrMapOvr>
     <a:masterClrMapping/>
   </p:clrMapOvr>
-  <mc:AlternateContent xmlns:mc="http://schemas.openxmlformats.org/markup-compatibility/2006">
-    <mc:Choice xmlns:p14="http://schemas.microsoft.com/office/powerpoint/2010/main" Requires="p14">
+  <mc:AlternateContent xmlns:mc="http://schemas.openxmlformats.org/markup-compatibility/2006" xmlns:p14="http://schemas.microsoft.com/office/powerpoint/2010/main">
+    <mc:Choice Requires="p14">
       <p:transition p14:dur="300">
         <p:fade/>
       </p:transition>
     </mc:Choice>
-    <mc:Fallback>
+    <mc:Fallback xmlns="">
       <p:transition>
         <p:fade/>
       </p:transition>
@@ -23558,13 +23558,13 @@
   <p:clrMapOvr>
     <a:masterClrMapping/>
   </p:clrMapOvr>
-  <mc:AlternateContent xmlns:mc="http://schemas.openxmlformats.org/markup-compatibility/2006">
-    <mc:Choice xmlns:p14="http://schemas.microsoft.com/office/powerpoint/2010/main" Requires="p14">
+  <mc:AlternateContent xmlns:mc="http://schemas.openxmlformats.org/markup-compatibility/2006" xmlns:p14="http://schemas.microsoft.com/office/powerpoint/2010/main">
+    <mc:Choice Requires="p14">
       <p:transition p14:dur="300">
         <p:fade/>
       </p:transition>
     </mc:Choice>
-    <mc:Fallback>
+    <mc:Fallback xmlns="">
       <p:transition>
         <p:fade/>
       </p:transition>
@@ -24477,6 +24477,12 @@
 </file>
 
 <file path=customXml/item1.xml><?xml version="1.0" encoding="utf-8"?>
+<p:properties xmlns:p="http://schemas.microsoft.com/office/2006/metadata/properties" xmlns:xsi="http://www.w3.org/2001/XMLSchema-instance" xmlns:pc="http://schemas.microsoft.com/office/infopath/2007/PartnerControls">
+  <documentManagement/>
+</p:properties>
+</file>
+
+<file path=customXml/item2.xml><?xml version="1.0" encoding="utf-8"?>
 <ct:contentTypeSchema xmlns:ct="http://schemas.microsoft.com/office/2006/metadata/contentType" xmlns:ma="http://schemas.microsoft.com/office/2006/metadata/properties/metaAttributes" ct:_="" ma:_="" ma:contentTypeName="Document" ma:contentTypeID="0x010100074387D78AC76C4289401EF66FB51FCC" ma:contentTypeVersion="14" ma:contentTypeDescription="Create a new document." ma:contentTypeScope="" ma:versionID="16aa88660fc2fdca5573e381835fe0c9">
   <xsd:schema xmlns:xsd="http://www.w3.org/2001/XMLSchema" xmlns:xs="http://www.w3.org/2001/XMLSchema" xmlns:p="http://schemas.microsoft.com/office/2006/metadata/properties" xmlns:ns3="92c41bee-f0ee-4aa6-9399-a35fbb883510" xmlns:ns4="e06ed288-fd75-4b50-bbed-f5a5df88c31c" targetNamespace="http://schemas.microsoft.com/office/2006/metadata/properties" ma:root="true" ma:fieldsID="d08ce21c39dd96af8dcee1a6fd74aaf6" ns3:_="" ns4:_="">
     <xsd:import namespace="92c41bee-f0ee-4aa6-9399-a35fbb883510"/>
@@ -24705,12 +24711,6 @@
 </ct:contentTypeSchema>
 </file>
 
-<file path=customXml/item2.xml><?xml version="1.0" encoding="utf-8"?>
-<p:properties xmlns:p="http://schemas.microsoft.com/office/2006/metadata/properties" xmlns:xsi="http://www.w3.org/2001/XMLSchema-instance" xmlns:pc="http://schemas.microsoft.com/office/infopath/2007/PartnerControls">
-  <documentManagement/>
-</p:properties>
-</file>
-
 <file path=customXml/item3.xml><?xml version="1.0" encoding="utf-8"?>
 <?mso-contentType ?>
 <FormTemplates xmlns="http://schemas.microsoft.com/sharepoint/v3/contenttype/forms">
@@ -24721,6 +24721,23 @@
 </file>
 
 <file path=customXml/itemProps1.xml><?xml version="1.0" encoding="utf-8"?>
+<ds:datastoreItem xmlns:ds="http://schemas.openxmlformats.org/officeDocument/2006/customXml" ds:itemID="{05D3EE4C-68D3-4BA3-94E6-383E2DFDD168}">
+  <ds:schemaRefs>
+    <ds:schemaRef ds:uri="http://schemas.microsoft.com/office/2006/documentManagement/types"/>
+    <ds:schemaRef ds:uri="http://schemas.microsoft.com/office/infopath/2007/PartnerControls"/>
+    <ds:schemaRef ds:uri="http://purl.org/dc/dcmitype/"/>
+    <ds:schemaRef ds:uri="http://purl.org/dc/elements/1.1/"/>
+    <ds:schemaRef ds:uri="e06ed288-fd75-4b50-bbed-f5a5df88c31c"/>
+    <ds:schemaRef ds:uri="http://schemas.microsoft.com/office/2006/metadata/properties"/>
+    <ds:schemaRef ds:uri="http://purl.org/dc/terms/"/>
+    <ds:schemaRef ds:uri="http://schemas.openxmlformats.org/package/2006/metadata/core-properties"/>
+    <ds:schemaRef ds:uri="92c41bee-f0ee-4aa6-9399-a35fbb883510"/>
+    <ds:schemaRef ds:uri="http://www.w3.org/XML/1998/namespace"/>
+  </ds:schemaRefs>
+</ds:datastoreItem>
+</file>
+
+<file path=customXml/itemProps2.xml><?xml version="1.0" encoding="utf-8"?>
 <ds:datastoreItem xmlns:ds="http://schemas.openxmlformats.org/officeDocument/2006/customXml" ds:itemID="{ECE8EA35-9C42-4825-ABC6-2C345E857976}">
   <ds:schemaRefs>
     <ds:schemaRef ds:uri="http://schemas.microsoft.com/office/2006/metadata/contentType"/>
@@ -24739,23 +24756,6 @@
 </ds:datastoreItem>
 </file>
 
-<file path=customXml/itemProps2.xml><?xml version="1.0" encoding="utf-8"?>
-<ds:datastoreItem xmlns:ds="http://schemas.openxmlformats.org/officeDocument/2006/customXml" ds:itemID="{05D3EE4C-68D3-4BA3-94E6-383E2DFDD168}">
-  <ds:schemaRefs>
-    <ds:schemaRef ds:uri="http://schemas.microsoft.com/office/2006/documentManagement/types"/>
-    <ds:schemaRef ds:uri="http://schemas.microsoft.com/office/infopath/2007/PartnerControls"/>
-    <ds:schemaRef ds:uri="http://purl.org/dc/dcmitype/"/>
-    <ds:schemaRef ds:uri="http://purl.org/dc/elements/1.1/"/>
-    <ds:schemaRef ds:uri="e06ed288-fd75-4b50-bbed-f5a5df88c31c"/>
-    <ds:schemaRef ds:uri="http://schemas.microsoft.com/office/2006/metadata/properties"/>
-    <ds:schemaRef ds:uri="http://purl.org/dc/terms/"/>
-    <ds:schemaRef ds:uri="http://schemas.openxmlformats.org/package/2006/metadata/core-properties"/>
-    <ds:schemaRef ds:uri="92c41bee-f0ee-4aa6-9399-a35fbb883510"/>
-    <ds:schemaRef ds:uri="http://www.w3.org/XML/1998/namespace"/>
-  </ds:schemaRefs>
-</ds:datastoreItem>
-</file>
-
 <file path=customXml/itemProps3.xml><?xml version="1.0" encoding="utf-8"?>
 <ds:datastoreItem xmlns:ds="http://schemas.openxmlformats.org/officeDocument/2006/customXml" ds:itemID="{ECBA097B-6123-4B8A-8BF9-8745C25437D5}">
   <ds:schemaRefs>

--- a/05_02FilesCS152.pptx
+++ b/05_02FilesCS152.pptx
@@ -273,467 +273,34 @@
 </p:presentation>
 </file>
 
-<file path=ppt/revisionInfo.xml><?xml version="1.0" encoding="utf-8"?>
-<p1510:revInfo xmlns:a="http://schemas.openxmlformats.org/drawingml/2006/main" xmlns:r="http://schemas.openxmlformats.org/officeDocument/2006/relationships" xmlns:p1510="http://schemas.microsoft.com/office/powerpoint/2015/10/main">
-  <p1510:revLst>
-    <p1510:client id="{4E3B83FF-25F6-43BF-95B0-B478B0802F6F}" v="20" dt="2022-09-20T23:53:36.019"/>
-  </p1510:revLst>
-</p1510:revInfo>
-</file>
-
 <file path=ppt/changesInfos/changesInfo1.xml><?xml version="1.0" encoding="utf-8"?>
 <pc:chgInfo xmlns:a="http://schemas.openxmlformats.org/drawingml/2006/main" xmlns:r="http://schemas.openxmlformats.org/officeDocument/2006/relationships" xmlns:ac="http://schemas.microsoft.com/office/drawing/2013/main/command" xmlns:pc="http://schemas.microsoft.com/office/powerpoint/2013/main/command">
   <pc:docChgLst>
-    <pc:chgData name="Moraes,Marcia" userId="c9c67e8a-58e2-4733-9a1c-5d44fec4775b" providerId="ADAL" clId="{4E3B83FF-25F6-43BF-95B0-B478B0802F6F}"/>
-    <pc:docChg chg="undo custSel addSld delSld modSld sldOrd">
-      <pc:chgData name="Moraes,Marcia" userId="c9c67e8a-58e2-4733-9a1c-5d44fec4775b" providerId="ADAL" clId="{4E3B83FF-25F6-43BF-95B0-B478B0802F6F}" dt="2022-09-21T18:55:46.065" v="1758" actId="20577"/>
+    <pc:chgData name="Moraes,Marcia" userId="c9c67e8a-58e2-4733-9a1c-5d44fec4775b" providerId="ADAL" clId="{E99DEA61-9850-4739-A411-B35A6E00371E}"/>
+    <pc:docChg chg="modSld">
+      <pc:chgData name="Moraes,Marcia" userId="c9c67e8a-58e2-4733-9a1c-5d44fec4775b" providerId="ADAL" clId="{E99DEA61-9850-4739-A411-B35A6E00371E}" dt="2023-02-12T23:31:25.080" v="2" actId="20577"/>
       <pc:docMkLst>
         <pc:docMk/>
       </pc:docMkLst>
-      <pc:sldChg chg="modSp mod">
-        <pc:chgData name="Moraes,Marcia" userId="c9c67e8a-58e2-4733-9a1c-5d44fec4775b" providerId="ADAL" clId="{4E3B83FF-25F6-43BF-95B0-B478B0802F6F}" dt="2022-09-20T18:13:14.964" v="4" actId="20577"/>
-        <pc:sldMkLst>
-          <pc:docMk/>
-          <pc:sldMk cId="0" sldId="256"/>
-        </pc:sldMkLst>
-        <pc:spChg chg="mod">
-          <ac:chgData name="Moraes,Marcia" userId="c9c67e8a-58e2-4733-9a1c-5d44fec4775b" providerId="ADAL" clId="{4E3B83FF-25F6-43BF-95B0-B478B0802F6F}" dt="2022-09-20T18:13:14.964" v="4" actId="20577"/>
-          <ac:spMkLst>
-            <pc:docMk/>
-            <pc:sldMk cId="0" sldId="256"/>
-            <ac:spMk id="185" creationId="{00000000-0000-0000-0000-000000000000}"/>
-          </ac:spMkLst>
-        </pc:spChg>
-      </pc:sldChg>
-      <pc:sldChg chg="addSp delSp modSp mod">
-        <pc:chgData name="Moraes,Marcia" userId="c9c67e8a-58e2-4733-9a1c-5d44fec4775b" providerId="ADAL" clId="{4E3B83FF-25F6-43BF-95B0-B478B0802F6F}" dt="2022-09-20T18:15:23.050" v="12" actId="1076"/>
+      <pc:sldChg chg="modSp">
+        <pc:chgData name="Moraes,Marcia" userId="c9c67e8a-58e2-4733-9a1c-5d44fec4775b" providerId="ADAL" clId="{E99DEA61-9850-4739-A411-B35A6E00371E}" dt="2023-02-12T23:31:25.080" v="2" actId="20577"/>
         <pc:sldMkLst>
           <pc:docMk/>
           <pc:sldMk cId="2954226462" sldId="268"/>
         </pc:sldMkLst>
         <pc:spChg chg="mod">
-          <ac:chgData name="Moraes,Marcia" userId="c9c67e8a-58e2-4733-9a1c-5d44fec4775b" providerId="ADAL" clId="{4E3B83FF-25F6-43BF-95B0-B478B0802F6F}" dt="2022-09-20T18:13:23.675" v="8" actId="20577"/>
+          <ac:chgData name="Moraes,Marcia" userId="c9c67e8a-58e2-4733-9a1c-5d44fec4775b" providerId="ADAL" clId="{E99DEA61-9850-4739-A411-B35A6E00371E}" dt="2023-02-12T23:31:25.080" v="2" actId="20577"/>
           <ac:spMkLst>
             <pc:docMk/>
             <pc:sldMk cId="2954226462" sldId="268"/>
             <ac:spMk id="7" creationId="{F1F79DD2-1F3F-234C-A44A-3A87D436D29A}"/>
           </ac:spMkLst>
         </pc:spChg>
-        <pc:picChg chg="del">
-          <ac:chgData name="Moraes,Marcia" userId="c9c67e8a-58e2-4733-9a1c-5d44fec4775b" providerId="ADAL" clId="{4E3B83FF-25F6-43BF-95B0-B478B0802F6F}" dt="2022-09-20T18:15:14.488" v="9" actId="478"/>
-          <ac:picMkLst>
-            <pc:docMk/>
-            <pc:sldMk cId="2954226462" sldId="268"/>
-            <ac:picMk id="2" creationId="{4F1416BA-5F97-48EA-849F-F9B00741ED6F}"/>
-          </ac:picMkLst>
-        </pc:picChg>
-        <pc:picChg chg="add mod">
-          <ac:chgData name="Moraes,Marcia" userId="c9c67e8a-58e2-4733-9a1c-5d44fec4775b" providerId="ADAL" clId="{4E3B83FF-25F6-43BF-95B0-B478B0802F6F}" dt="2022-09-20T18:15:23.050" v="12" actId="1076"/>
-          <ac:picMkLst>
-            <pc:docMk/>
-            <pc:sldMk cId="2954226462" sldId="268"/>
-            <ac:picMk id="1026" creationId="{A67BA562-A35D-8D08-3086-DC22E9F8445E}"/>
-          </ac:picMkLst>
-        </pc:picChg>
-      </pc:sldChg>
-      <pc:sldChg chg="modSp mod">
-        <pc:chgData name="Moraes,Marcia" userId="c9c67e8a-58e2-4733-9a1c-5d44fec4775b" providerId="ADAL" clId="{4E3B83FF-25F6-43BF-95B0-B478B0802F6F}" dt="2022-09-20T22:44:38.358" v="399" actId="20577"/>
-        <pc:sldMkLst>
-          <pc:docMk/>
-          <pc:sldMk cId="1172125351" sldId="288"/>
-        </pc:sldMkLst>
-        <pc:spChg chg="mod">
-          <ac:chgData name="Moraes,Marcia" userId="c9c67e8a-58e2-4733-9a1c-5d44fec4775b" providerId="ADAL" clId="{4E3B83FF-25F6-43BF-95B0-B478B0802F6F}" dt="2022-09-20T22:43:47.502" v="185" actId="20577"/>
-          <ac:spMkLst>
-            <pc:docMk/>
-            <pc:sldMk cId="1172125351" sldId="288"/>
-            <ac:spMk id="2" creationId="{6302E6FC-80C8-2F4C-A9F0-9B205434775A}"/>
-          </ac:spMkLst>
-        </pc:spChg>
-        <pc:spChg chg="mod">
-          <ac:chgData name="Moraes,Marcia" userId="c9c67e8a-58e2-4733-9a1c-5d44fec4775b" providerId="ADAL" clId="{4E3B83FF-25F6-43BF-95B0-B478B0802F6F}" dt="2022-09-20T22:44:38.358" v="399" actId="20577"/>
-          <ac:spMkLst>
-            <pc:docMk/>
-            <pc:sldMk cId="1172125351" sldId="288"/>
-            <ac:spMk id="3" creationId="{93E01694-2C32-BA4D-B6F8-4BE99716E841}"/>
-          </ac:spMkLst>
-        </pc:spChg>
-      </pc:sldChg>
-      <pc:sldChg chg="modSp add mod">
-        <pc:chgData name="Moraes,Marcia" userId="c9c67e8a-58e2-4733-9a1c-5d44fec4775b" providerId="ADAL" clId="{4E3B83FF-25F6-43BF-95B0-B478B0802F6F}" dt="2022-09-20T22:45:41.463" v="417" actId="20577"/>
-        <pc:sldMkLst>
-          <pc:docMk/>
-          <pc:sldMk cId="2447864037" sldId="289"/>
-        </pc:sldMkLst>
-        <pc:spChg chg="mod">
-          <ac:chgData name="Moraes,Marcia" userId="c9c67e8a-58e2-4733-9a1c-5d44fec4775b" providerId="ADAL" clId="{4E3B83FF-25F6-43BF-95B0-B478B0802F6F}" dt="2022-09-20T22:40:35.850" v="115" actId="313"/>
-          <ac:spMkLst>
-            <pc:docMk/>
-            <pc:sldMk cId="2447864037" sldId="289"/>
-            <ac:spMk id="2" creationId="{6302E6FC-80C8-2F4C-A9F0-9B205434775A}"/>
-          </ac:spMkLst>
-        </pc:spChg>
-        <pc:spChg chg="mod">
-          <ac:chgData name="Moraes,Marcia" userId="c9c67e8a-58e2-4733-9a1c-5d44fec4775b" providerId="ADAL" clId="{4E3B83FF-25F6-43BF-95B0-B478B0802F6F}" dt="2022-09-20T22:45:41.463" v="417" actId="20577"/>
-          <ac:spMkLst>
-            <pc:docMk/>
-            <pc:sldMk cId="2447864037" sldId="289"/>
-            <ac:spMk id="3" creationId="{93E01694-2C32-BA4D-B6F8-4BE99716E841}"/>
-          </ac:spMkLst>
-        </pc:spChg>
-      </pc:sldChg>
-      <pc:sldChg chg="addSp modSp add mod">
-        <pc:chgData name="Moraes,Marcia" userId="c9c67e8a-58e2-4733-9a1c-5d44fec4775b" providerId="ADAL" clId="{4E3B83FF-25F6-43BF-95B0-B478B0802F6F}" dt="2022-09-20T22:43:04.542" v="167" actId="692"/>
-        <pc:sldMkLst>
-          <pc:docMk/>
-          <pc:sldMk cId="63851387" sldId="290"/>
-        </pc:sldMkLst>
-        <pc:spChg chg="mod">
-          <ac:chgData name="Moraes,Marcia" userId="c9c67e8a-58e2-4733-9a1c-5d44fec4775b" providerId="ADAL" clId="{4E3B83FF-25F6-43BF-95B0-B478B0802F6F}" dt="2022-09-20T22:42:16.936" v="156" actId="6549"/>
-          <ac:spMkLst>
-            <pc:docMk/>
-            <pc:sldMk cId="63851387" sldId="290"/>
-            <ac:spMk id="2" creationId="{6302E6FC-80C8-2F4C-A9F0-9B205434775A}"/>
-          </ac:spMkLst>
-        </pc:spChg>
-        <pc:spChg chg="mod">
-          <ac:chgData name="Moraes,Marcia" userId="c9c67e8a-58e2-4733-9a1c-5d44fec4775b" providerId="ADAL" clId="{4E3B83FF-25F6-43BF-95B0-B478B0802F6F}" dt="2022-09-20T22:43:04.542" v="167" actId="692"/>
-          <ac:spMkLst>
-            <pc:docMk/>
-            <pc:sldMk cId="63851387" sldId="290"/>
-            <ac:spMk id="3" creationId="{93E01694-2C32-BA4D-B6F8-4BE99716E841}"/>
-          </ac:spMkLst>
-        </pc:spChg>
-        <pc:spChg chg="add mod">
-          <ac:chgData name="Moraes,Marcia" userId="c9c67e8a-58e2-4733-9a1c-5d44fec4775b" providerId="ADAL" clId="{4E3B83FF-25F6-43BF-95B0-B478B0802F6F}" dt="2022-09-20T22:43:02.335" v="166" actId="692"/>
-          <ac:spMkLst>
-            <pc:docMk/>
-            <pc:sldMk cId="63851387" sldId="290"/>
-            <ac:spMk id="4" creationId="{E5A46BD7-2EF2-C242-A955-A5423A373C13}"/>
-          </ac:spMkLst>
-        </pc:spChg>
-      </pc:sldChg>
-      <pc:sldChg chg="del">
-        <pc:chgData name="Moraes,Marcia" userId="c9c67e8a-58e2-4733-9a1c-5d44fec4775b" providerId="ADAL" clId="{4E3B83FF-25F6-43BF-95B0-B478B0802F6F}" dt="2022-09-20T22:39:36.844" v="94" actId="47"/>
-        <pc:sldMkLst>
-          <pc:docMk/>
-          <pc:sldMk cId="1952093133" sldId="290"/>
-        </pc:sldMkLst>
-      </pc:sldChg>
-      <pc:sldChg chg="add del">
-        <pc:chgData name="Moraes,Marcia" userId="c9c67e8a-58e2-4733-9a1c-5d44fec4775b" providerId="ADAL" clId="{4E3B83FF-25F6-43BF-95B0-B478B0802F6F}" dt="2022-09-20T22:43:37.599" v="169"/>
-        <pc:sldMkLst>
-          <pc:docMk/>
-          <pc:sldMk cId="2229205243" sldId="291"/>
-        </pc:sldMkLst>
-      </pc:sldChg>
-      <pc:sldChg chg="modSp add mod">
-        <pc:chgData name="Moraes,Marcia" userId="c9c67e8a-58e2-4733-9a1c-5d44fec4775b" providerId="ADAL" clId="{4E3B83FF-25F6-43BF-95B0-B478B0802F6F}" dt="2022-09-20T22:45:35.799" v="408" actId="20577"/>
-        <pc:sldMkLst>
-          <pc:docMk/>
-          <pc:sldMk cId="2583827647" sldId="291"/>
-        </pc:sldMkLst>
-        <pc:spChg chg="mod">
-          <ac:chgData name="Moraes,Marcia" userId="c9c67e8a-58e2-4733-9a1c-5d44fec4775b" providerId="ADAL" clId="{4E3B83FF-25F6-43BF-95B0-B478B0802F6F}" dt="2022-09-20T22:45:35.799" v="408" actId="20577"/>
-          <ac:spMkLst>
-            <pc:docMk/>
-            <pc:sldMk cId="2583827647" sldId="291"/>
-            <ac:spMk id="3" creationId="{93E01694-2C32-BA4D-B6F8-4BE99716E841}"/>
-          </ac:spMkLst>
-        </pc:spChg>
-      </pc:sldChg>
-      <pc:sldChg chg="addSp modSp add mod ord modAnim">
-        <pc:chgData name="Moraes,Marcia" userId="c9c67e8a-58e2-4733-9a1c-5d44fec4775b" providerId="ADAL" clId="{4E3B83FF-25F6-43BF-95B0-B478B0802F6F}" dt="2022-09-20T22:49:33.200" v="510"/>
-        <pc:sldMkLst>
-          <pc:docMk/>
-          <pc:sldMk cId="504985521" sldId="292"/>
-        </pc:sldMkLst>
-        <pc:spChg chg="mod">
-          <ac:chgData name="Moraes,Marcia" userId="c9c67e8a-58e2-4733-9a1c-5d44fec4775b" providerId="ADAL" clId="{4E3B83FF-25F6-43BF-95B0-B478B0802F6F}" dt="2022-09-20T22:46:17.439" v="434" actId="20577"/>
-          <ac:spMkLst>
-            <pc:docMk/>
-            <pc:sldMk cId="504985521" sldId="292"/>
-            <ac:spMk id="2" creationId="{6302E6FC-80C8-2F4C-A9F0-9B205434775A}"/>
-          </ac:spMkLst>
-        </pc:spChg>
-        <pc:spChg chg="mod">
-          <ac:chgData name="Moraes,Marcia" userId="c9c67e8a-58e2-4733-9a1c-5d44fec4775b" providerId="ADAL" clId="{4E3B83FF-25F6-43BF-95B0-B478B0802F6F}" dt="2022-09-20T22:47:32.573" v="444" actId="14100"/>
-          <ac:spMkLst>
-            <pc:docMk/>
-            <pc:sldMk cId="504985521" sldId="292"/>
-            <ac:spMk id="3" creationId="{93E01694-2C32-BA4D-B6F8-4BE99716E841}"/>
-          </ac:spMkLst>
-        </pc:spChg>
-        <pc:spChg chg="add mod">
-          <ac:chgData name="Moraes,Marcia" userId="c9c67e8a-58e2-4733-9a1c-5d44fec4775b" providerId="ADAL" clId="{4E3B83FF-25F6-43BF-95B0-B478B0802F6F}" dt="2022-09-20T22:49:26.278" v="509" actId="207"/>
-          <ac:spMkLst>
-            <pc:docMk/>
-            <pc:sldMk cId="504985521" sldId="292"/>
-            <ac:spMk id="4" creationId="{40B23B75-AC5A-4D63-8493-56770FB41B1B}"/>
-          </ac:spMkLst>
-        </pc:spChg>
-      </pc:sldChg>
-      <pc:sldChg chg="addSp delSp modSp add mod delAnim">
-        <pc:chgData name="Moraes,Marcia" userId="c9c67e8a-58e2-4733-9a1c-5d44fec4775b" providerId="ADAL" clId="{4E3B83FF-25F6-43BF-95B0-B478B0802F6F}" dt="2022-09-20T23:10:45.374" v="541" actId="692"/>
-        <pc:sldMkLst>
-          <pc:docMk/>
-          <pc:sldMk cId="858956034" sldId="293"/>
-        </pc:sldMkLst>
-        <pc:spChg chg="mod">
-          <ac:chgData name="Moraes,Marcia" userId="c9c67e8a-58e2-4733-9a1c-5d44fec4775b" providerId="ADAL" clId="{4E3B83FF-25F6-43BF-95B0-B478B0802F6F}" dt="2022-09-20T22:57:18.415" v="519" actId="20577"/>
-          <ac:spMkLst>
-            <pc:docMk/>
-            <pc:sldMk cId="858956034" sldId="293"/>
-            <ac:spMk id="2" creationId="{6302E6FC-80C8-2F4C-A9F0-9B205434775A}"/>
-          </ac:spMkLst>
-        </pc:spChg>
-        <pc:spChg chg="mod">
-          <ac:chgData name="Moraes,Marcia" userId="c9c67e8a-58e2-4733-9a1c-5d44fec4775b" providerId="ADAL" clId="{4E3B83FF-25F6-43BF-95B0-B478B0802F6F}" dt="2022-09-20T23:10:43.139" v="540" actId="692"/>
-          <ac:spMkLst>
-            <pc:docMk/>
-            <pc:sldMk cId="858956034" sldId="293"/>
-            <ac:spMk id="3" creationId="{93E01694-2C32-BA4D-B6F8-4BE99716E841}"/>
-          </ac:spMkLst>
-        </pc:spChg>
-        <pc:spChg chg="del">
-          <ac:chgData name="Moraes,Marcia" userId="c9c67e8a-58e2-4733-9a1c-5d44fec4775b" providerId="ADAL" clId="{4E3B83FF-25F6-43BF-95B0-B478B0802F6F}" dt="2022-09-20T23:07:08.384" v="520" actId="478"/>
-          <ac:spMkLst>
-            <pc:docMk/>
-            <pc:sldMk cId="858956034" sldId="293"/>
-            <ac:spMk id="4" creationId="{40B23B75-AC5A-4D63-8493-56770FB41B1B}"/>
-          </ac:spMkLst>
-        </pc:spChg>
-        <pc:spChg chg="add del mod">
-          <ac:chgData name="Moraes,Marcia" userId="c9c67e8a-58e2-4733-9a1c-5d44fec4775b" providerId="ADAL" clId="{4E3B83FF-25F6-43BF-95B0-B478B0802F6F}" dt="2022-09-20T23:07:44.384" v="528" actId="478"/>
-          <ac:spMkLst>
-            <pc:docMk/>
-            <pc:sldMk cId="858956034" sldId="293"/>
-            <ac:spMk id="5" creationId="{21E5404B-D32B-1F9E-D67C-552ADFC88DA1}"/>
-          </ac:spMkLst>
-        </pc:spChg>
-        <pc:spChg chg="add mod">
-          <ac:chgData name="Moraes,Marcia" userId="c9c67e8a-58e2-4733-9a1c-5d44fec4775b" providerId="ADAL" clId="{4E3B83FF-25F6-43BF-95B0-B478B0802F6F}" dt="2022-09-20T23:10:45.374" v="541" actId="692"/>
-          <ac:spMkLst>
-            <pc:docMk/>
-            <pc:sldMk cId="858956034" sldId="293"/>
-            <ac:spMk id="7" creationId="{2BC17EE1-27B9-4C16-4390-6918E10B7BE5}"/>
-          </ac:spMkLst>
-        </pc:spChg>
-      </pc:sldChg>
-      <pc:sldChg chg="addSp delSp modSp add mod">
-        <pc:chgData name="Moraes,Marcia" userId="c9c67e8a-58e2-4733-9a1c-5d44fec4775b" providerId="ADAL" clId="{4E3B83FF-25F6-43BF-95B0-B478B0802F6F}" dt="2022-09-20T23:13:08.844" v="571" actId="20577"/>
-        <pc:sldMkLst>
-          <pc:docMk/>
-          <pc:sldMk cId="527131478" sldId="294"/>
-        </pc:sldMkLst>
-        <pc:spChg chg="mod">
-          <ac:chgData name="Moraes,Marcia" userId="c9c67e8a-58e2-4733-9a1c-5d44fec4775b" providerId="ADAL" clId="{4E3B83FF-25F6-43BF-95B0-B478B0802F6F}" dt="2022-09-20T23:13:08.844" v="571" actId="20577"/>
-          <ac:spMkLst>
-            <pc:docMk/>
-            <pc:sldMk cId="527131478" sldId="294"/>
-            <ac:spMk id="2" creationId="{6302E6FC-80C8-2F4C-A9F0-9B205434775A}"/>
-          </ac:spMkLst>
-        </pc:spChg>
-        <pc:spChg chg="del">
-          <ac:chgData name="Moraes,Marcia" userId="c9c67e8a-58e2-4733-9a1c-5d44fec4775b" providerId="ADAL" clId="{4E3B83FF-25F6-43BF-95B0-B478B0802F6F}" dt="2022-09-20T23:12:35.200" v="543" actId="478"/>
-          <ac:spMkLst>
-            <pc:docMk/>
-            <pc:sldMk cId="527131478" sldId="294"/>
-            <ac:spMk id="3" creationId="{93E01694-2C32-BA4D-B6F8-4BE99716E841}"/>
-          </ac:spMkLst>
-        </pc:spChg>
-        <pc:spChg chg="add del mod">
-          <ac:chgData name="Moraes,Marcia" userId="c9c67e8a-58e2-4733-9a1c-5d44fec4775b" providerId="ADAL" clId="{4E3B83FF-25F6-43BF-95B0-B478B0802F6F}" dt="2022-09-20T23:12:37.919" v="545" actId="478"/>
-          <ac:spMkLst>
-            <pc:docMk/>
-            <pc:sldMk cId="527131478" sldId="294"/>
-            <ac:spMk id="5" creationId="{F0B1A041-DACE-3EBD-B10E-DE2A7D316598}"/>
-          </ac:spMkLst>
-        </pc:spChg>
-        <pc:spChg chg="del">
-          <ac:chgData name="Moraes,Marcia" userId="c9c67e8a-58e2-4733-9a1c-5d44fec4775b" providerId="ADAL" clId="{4E3B83FF-25F6-43BF-95B0-B478B0802F6F}" dt="2022-09-20T23:12:36.864" v="544" actId="478"/>
-          <ac:spMkLst>
-            <pc:docMk/>
-            <pc:sldMk cId="527131478" sldId="294"/>
-            <ac:spMk id="7" creationId="{2BC17EE1-27B9-4C16-4390-6918E10B7BE5}"/>
-          </ac:spMkLst>
-        </pc:spChg>
-        <pc:picChg chg="add mod">
-          <ac:chgData name="Moraes,Marcia" userId="c9c67e8a-58e2-4733-9a1c-5d44fec4775b" providerId="ADAL" clId="{4E3B83FF-25F6-43BF-95B0-B478B0802F6F}" dt="2022-09-20T23:12:51.715" v="548" actId="1076"/>
-          <ac:picMkLst>
-            <pc:docMk/>
-            <pc:sldMk cId="527131478" sldId="294"/>
-            <ac:picMk id="8" creationId="{618130D7-1566-D1C2-C9FD-CBAA7BECA479}"/>
-          </ac:picMkLst>
-        </pc:picChg>
-      </pc:sldChg>
-      <pc:sldChg chg="del">
-        <pc:chgData name="Moraes,Marcia" userId="c9c67e8a-58e2-4733-9a1c-5d44fec4775b" providerId="ADAL" clId="{4E3B83FF-25F6-43BF-95B0-B478B0802F6F}" dt="2022-09-20T22:39:39.260" v="99" actId="47"/>
-        <pc:sldMkLst>
-          <pc:docMk/>
-          <pc:sldMk cId="1028946880" sldId="294"/>
-        </pc:sldMkLst>
-      </pc:sldChg>
-      <pc:sldChg chg="del">
-        <pc:chgData name="Moraes,Marcia" userId="c9c67e8a-58e2-4733-9a1c-5d44fec4775b" providerId="ADAL" clId="{4E3B83FF-25F6-43BF-95B0-B478B0802F6F}" dt="2022-09-20T22:39:37.359" v="95" actId="47"/>
-        <pc:sldMkLst>
-          <pc:docMk/>
-          <pc:sldMk cId="603826668" sldId="295"/>
-        </pc:sldMkLst>
-      </pc:sldChg>
-      <pc:sldChg chg="addSp delSp modSp add mod">
-        <pc:chgData name="Moraes,Marcia" userId="c9c67e8a-58e2-4733-9a1c-5d44fec4775b" providerId="ADAL" clId="{4E3B83FF-25F6-43BF-95B0-B478B0802F6F}" dt="2022-09-20T23:22:53.166" v="597" actId="692"/>
-        <pc:sldMkLst>
-          <pc:docMk/>
-          <pc:sldMk cId="1472399199" sldId="295"/>
-        </pc:sldMkLst>
-        <pc:spChg chg="mod">
-          <ac:chgData name="Moraes,Marcia" userId="c9c67e8a-58e2-4733-9a1c-5d44fec4775b" providerId="ADAL" clId="{4E3B83FF-25F6-43BF-95B0-B478B0802F6F}" dt="2022-09-20T23:18:58.101" v="590" actId="20577"/>
-          <ac:spMkLst>
-            <pc:docMk/>
-            <pc:sldMk cId="1472399199" sldId="295"/>
-            <ac:spMk id="2" creationId="{6302E6FC-80C8-2F4C-A9F0-9B205434775A}"/>
-          </ac:spMkLst>
-        </pc:spChg>
-        <pc:spChg chg="add mod">
-          <ac:chgData name="Moraes,Marcia" userId="c9c67e8a-58e2-4733-9a1c-5d44fec4775b" providerId="ADAL" clId="{4E3B83FF-25F6-43BF-95B0-B478B0802F6F}" dt="2022-09-20T23:22:53.166" v="597" actId="692"/>
-          <ac:spMkLst>
-            <pc:docMk/>
-            <pc:sldMk cId="1472399199" sldId="295"/>
-            <ac:spMk id="4" creationId="{E9E121ED-FA27-534D-AD40-133F69C72CBC}"/>
-          </ac:spMkLst>
-        </pc:spChg>
-        <pc:picChg chg="del">
-          <ac:chgData name="Moraes,Marcia" userId="c9c67e8a-58e2-4733-9a1c-5d44fec4775b" providerId="ADAL" clId="{4E3B83FF-25F6-43BF-95B0-B478B0802F6F}" dt="2022-09-20T23:18:52.095" v="573" actId="478"/>
-          <ac:picMkLst>
-            <pc:docMk/>
-            <pc:sldMk cId="1472399199" sldId="295"/>
-            <ac:picMk id="8" creationId="{618130D7-1566-D1C2-C9FD-CBAA7BECA479}"/>
-          </ac:picMkLst>
-        </pc:picChg>
-      </pc:sldChg>
-      <pc:sldChg chg="del">
-        <pc:chgData name="Moraes,Marcia" userId="c9c67e8a-58e2-4733-9a1c-5d44fec4775b" providerId="ADAL" clId="{4E3B83FF-25F6-43BF-95B0-B478B0802F6F}" dt="2022-09-20T22:39:37.874" v="96" actId="47"/>
-        <pc:sldMkLst>
-          <pc:docMk/>
-          <pc:sldMk cId="618935601" sldId="296"/>
-        </pc:sldMkLst>
-      </pc:sldChg>
-      <pc:sldChg chg="addSp modSp add mod">
-        <pc:chgData name="Moraes,Marcia" userId="c9c67e8a-58e2-4733-9a1c-5d44fec4775b" providerId="ADAL" clId="{4E3B83FF-25F6-43BF-95B0-B478B0802F6F}" dt="2022-09-20T23:35:42.861" v="931" actId="14100"/>
-        <pc:sldMkLst>
-          <pc:docMk/>
-          <pc:sldMk cId="1684470190" sldId="296"/>
-        </pc:sldMkLst>
-        <pc:spChg chg="mod">
-          <ac:chgData name="Moraes,Marcia" userId="c9c67e8a-58e2-4733-9a1c-5d44fec4775b" providerId="ADAL" clId="{4E3B83FF-25F6-43BF-95B0-B478B0802F6F}" dt="2022-09-20T23:32:17.196" v="622" actId="20577"/>
-          <ac:spMkLst>
-            <pc:docMk/>
-            <pc:sldMk cId="1684470190" sldId="296"/>
-            <ac:spMk id="2" creationId="{6302E6FC-80C8-2F4C-A9F0-9B205434775A}"/>
-          </ac:spMkLst>
-        </pc:spChg>
-        <pc:spChg chg="add mod">
-          <ac:chgData name="Moraes,Marcia" userId="c9c67e8a-58e2-4733-9a1c-5d44fec4775b" providerId="ADAL" clId="{4E3B83FF-25F6-43BF-95B0-B478B0802F6F}" dt="2022-09-20T23:35:42.861" v="931" actId="14100"/>
-          <ac:spMkLst>
-            <pc:docMk/>
-            <pc:sldMk cId="1684470190" sldId="296"/>
-            <ac:spMk id="3" creationId="{AA3AC9A6-F14C-028B-44F0-F2F465A1F04E}"/>
-          </ac:spMkLst>
-        </pc:spChg>
-        <pc:spChg chg="mod">
-          <ac:chgData name="Moraes,Marcia" userId="c9c67e8a-58e2-4733-9a1c-5d44fec4775b" providerId="ADAL" clId="{4E3B83FF-25F6-43BF-95B0-B478B0802F6F}" dt="2022-09-20T23:35:23.634" v="905" actId="1076"/>
-          <ac:spMkLst>
-            <pc:docMk/>
-            <pc:sldMk cId="1684470190" sldId="296"/>
-            <ac:spMk id="4" creationId="{E9E121ED-FA27-534D-AD40-133F69C72CBC}"/>
-          </ac:spMkLst>
-        </pc:spChg>
-      </pc:sldChg>
-      <pc:sldChg chg="delSp modSp add mod">
-        <pc:chgData name="Moraes,Marcia" userId="c9c67e8a-58e2-4733-9a1c-5d44fec4775b" providerId="ADAL" clId="{4E3B83FF-25F6-43BF-95B0-B478B0802F6F}" dt="2022-09-21T18:55:46.065" v="1758" actId="20577"/>
-        <pc:sldMkLst>
-          <pc:docMk/>
-          <pc:sldMk cId="1971522944" sldId="297"/>
-        </pc:sldMkLst>
-        <pc:spChg chg="mod">
-          <ac:chgData name="Moraes,Marcia" userId="c9c67e8a-58e2-4733-9a1c-5d44fec4775b" providerId="ADAL" clId="{4E3B83FF-25F6-43BF-95B0-B478B0802F6F}" dt="2022-09-20T23:48:52.382" v="948" actId="20577"/>
-          <ac:spMkLst>
-            <pc:docMk/>
-            <pc:sldMk cId="1971522944" sldId="297"/>
-            <ac:spMk id="2" creationId="{6302E6FC-80C8-2F4C-A9F0-9B205434775A}"/>
-          </ac:spMkLst>
-        </pc:spChg>
-        <pc:spChg chg="mod">
-          <ac:chgData name="Moraes,Marcia" userId="c9c67e8a-58e2-4733-9a1c-5d44fec4775b" providerId="ADAL" clId="{4E3B83FF-25F6-43BF-95B0-B478B0802F6F}" dt="2022-09-21T18:55:46.065" v="1758" actId="20577"/>
-          <ac:spMkLst>
-            <pc:docMk/>
-            <pc:sldMk cId="1971522944" sldId="297"/>
-            <ac:spMk id="3" creationId="{AA3AC9A6-F14C-028B-44F0-F2F465A1F04E}"/>
-          </ac:spMkLst>
-        </pc:spChg>
-        <pc:spChg chg="del">
-          <ac:chgData name="Moraes,Marcia" userId="c9c67e8a-58e2-4733-9a1c-5d44fec4775b" providerId="ADAL" clId="{4E3B83FF-25F6-43BF-95B0-B478B0802F6F}" dt="2022-09-20T23:49:25.142" v="949" actId="478"/>
-          <ac:spMkLst>
-            <pc:docMk/>
-            <pc:sldMk cId="1971522944" sldId="297"/>
-            <ac:spMk id="4" creationId="{E9E121ED-FA27-534D-AD40-133F69C72CBC}"/>
-          </ac:spMkLst>
-        </pc:spChg>
-      </pc:sldChg>
-      <pc:sldChg chg="del">
-        <pc:chgData name="Moraes,Marcia" userId="c9c67e8a-58e2-4733-9a1c-5d44fec4775b" providerId="ADAL" clId="{4E3B83FF-25F6-43BF-95B0-B478B0802F6F}" dt="2022-09-20T22:39:38.318" v="97" actId="47"/>
-        <pc:sldMkLst>
-          <pc:docMk/>
-          <pc:sldMk cId="3942909976" sldId="297"/>
-        </pc:sldMkLst>
-      </pc:sldChg>
-      <pc:sldChg chg="del">
-        <pc:chgData name="Moraes,Marcia" userId="c9c67e8a-58e2-4733-9a1c-5d44fec4775b" providerId="ADAL" clId="{4E3B83FF-25F6-43BF-95B0-B478B0802F6F}" dt="2022-09-20T22:39:38.708" v="98" actId="47"/>
-        <pc:sldMkLst>
-          <pc:docMk/>
-          <pc:sldMk cId="651987978" sldId="298"/>
-        </pc:sldMkLst>
-      </pc:sldChg>
-      <pc:sldChg chg="addSp modSp add mod">
-        <pc:chgData name="Moraes,Marcia" userId="c9c67e8a-58e2-4733-9a1c-5d44fec4775b" providerId="ADAL" clId="{4E3B83FF-25F6-43BF-95B0-B478B0802F6F}" dt="2022-09-21T00:00:43.303" v="1751" actId="15"/>
-        <pc:sldMkLst>
-          <pc:docMk/>
-          <pc:sldMk cId="2032096474" sldId="298"/>
-        </pc:sldMkLst>
-        <pc:spChg chg="mod">
-          <ac:chgData name="Moraes,Marcia" userId="c9c67e8a-58e2-4733-9a1c-5d44fec4775b" providerId="ADAL" clId="{4E3B83FF-25F6-43BF-95B0-B478B0802F6F}" dt="2022-09-20T23:56:37.198" v="1466" actId="20577"/>
-          <ac:spMkLst>
-            <pc:docMk/>
-            <pc:sldMk cId="2032096474" sldId="298"/>
-            <ac:spMk id="2" creationId="{6302E6FC-80C8-2F4C-A9F0-9B205434775A}"/>
-          </ac:spMkLst>
-        </pc:spChg>
-        <pc:spChg chg="mod">
-          <ac:chgData name="Moraes,Marcia" userId="c9c67e8a-58e2-4733-9a1c-5d44fec4775b" providerId="ADAL" clId="{4E3B83FF-25F6-43BF-95B0-B478B0802F6F}" dt="2022-09-21T00:00:43.303" v="1751" actId="15"/>
-          <ac:spMkLst>
-            <pc:docMk/>
-            <pc:sldMk cId="2032096474" sldId="298"/>
-            <ac:spMk id="3" creationId="{AA3AC9A6-F14C-028B-44F0-F2F465A1F04E}"/>
-          </ac:spMkLst>
-        </pc:spChg>
-        <pc:picChg chg="add mod">
-          <ac:chgData name="Moraes,Marcia" userId="c9c67e8a-58e2-4733-9a1c-5d44fec4775b" providerId="ADAL" clId="{4E3B83FF-25F6-43BF-95B0-B478B0802F6F}" dt="2022-09-21T00:00:07.505" v="1698" actId="1076"/>
-          <ac:picMkLst>
-            <pc:docMk/>
-            <pc:sldMk cId="2032096474" sldId="298"/>
-            <ac:picMk id="5" creationId="{530245BA-7C77-BBAE-E798-647D13B273BC}"/>
-          </ac:picMkLst>
-        </pc:picChg>
-      </pc:sldChg>
-      <pc:sldChg chg="del">
-        <pc:chgData name="Moraes,Marcia" userId="c9c67e8a-58e2-4733-9a1c-5d44fec4775b" providerId="ADAL" clId="{4E3B83FF-25F6-43BF-95B0-B478B0802F6F}" dt="2022-09-20T22:39:41.830" v="100" actId="47"/>
-        <pc:sldMkLst>
-          <pc:docMk/>
-          <pc:sldMk cId="3133861811" sldId="299"/>
-        </pc:sldMkLst>
       </pc:sldChg>
     </pc:docChg>
+  </pc:docChgLst>
+  <pc:docChgLst>
+    <pc:chgData name="Moraes,Marcia" userId="c9c67e8a-58e2-4733-9a1c-5d44fec4775b" providerId="ADAL" clId="{4E3B83FF-25F6-43BF-95B0-B478B0802F6F}"/>
   </pc:docChgLst>
 </pc:chgInfo>
 </file>
@@ -21612,7 +21179,7 @@
             </a:pPr>
             <a:r>
               <a:rPr lang="en-US" dirty="0"/>
-              <a:t>Reading 8 (</a:t>
+              <a:t>Reading 11 (</a:t>
             </a:r>
             <a:r>
               <a:rPr lang="en-US" dirty="0" err="1"/>
@@ -24477,12 +24044,6 @@
 </file>
 
 <file path=customXml/item1.xml><?xml version="1.0" encoding="utf-8"?>
-<p:properties xmlns:p="http://schemas.microsoft.com/office/2006/metadata/properties" xmlns:xsi="http://www.w3.org/2001/XMLSchema-instance" xmlns:pc="http://schemas.microsoft.com/office/infopath/2007/PartnerControls">
-  <documentManagement/>
-</p:properties>
-</file>
-
-<file path=customXml/item2.xml><?xml version="1.0" encoding="utf-8"?>
 <ct:contentTypeSchema xmlns:ct="http://schemas.microsoft.com/office/2006/metadata/contentType" xmlns:ma="http://schemas.microsoft.com/office/2006/metadata/properties/metaAttributes" ct:_="" ma:_="" ma:contentTypeName="Document" ma:contentTypeID="0x010100074387D78AC76C4289401EF66FB51FCC" ma:contentTypeVersion="14" ma:contentTypeDescription="Create a new document." ma:contentTypeScope="" ma:versionID="16aa88660fc2fdca5573e381835fe0c9">
   <xsd:schema xmlns:xsd="http://www.w3.org/2001/XMLSchema" xmlns:xs="http://www.w3.org/2001/XMLSchema" xmlns:p="http://schemas.microsoft.com/office/2006/metadata/properties" xmlns:ns3="92c41bee-f0ee-4aa6-9399-a35fbb883510" xmlns:ns4="e06ed288-fd75-4b50-bbed-f5a5df88c31c" targetNamespace="http://schemas.microsoft.com/office/2006/metadata/properties" ma:root="true" ma:fieldsID="d08ce21c39dd96af8dcee1a6fd74aaf6" ns3:_="" ns4:_="">
     <xsd:import namespace="92c41bee-f0ee-4aa6-9399-a35fbb883510"/>
@@ -24711,6 +24272,12 @@
 </ct:contentTypeSchema>
 </file>
 
+<file path=customXml/item2.xml><?xml version="1.0" encoding="utf-8"?>
+<p:properties xmlns:p="http://schemas.microsoft.com/office/2006/metadata/properties" xmlns:xsi="http://www.w3.org/2001/XMLSchema-instance" xmlns:pc="http://schemas.microsoft.com/office/infopath/2007/PartnerControls">
+  <documentManagement/>
+</p:properties>
+</file>
+
 <file path=customXml/item3.xml><?xml version="1.0" encoding="utf-8"?>
 <?mso-contentType ?>
 <FormTemplates xmlns="http://schemas.microsoft.com/sharepoint/v3/contenttype/forms">
@@ -24721,23 +24288,6 @@
 </file>
 
 <file path=customXml/itemProps1.xml><?xml version="1.0" encoding="utf-8"?>
-<ds:datastoreItem xmlns:ds="http://schemas.openxmlformats.org/officeDocument/2006/customXml" ds:itemID="{05D3EE4C-68D3-4BA3-94E6-383E2DFDD168}">
-  <ds:schemaRefs>
-    <ds:schemaRef ds:uri="http://schemas.microsoft.com/office/2006/documentManagement/types"/>
-    <ds:schemaRef ds:uri="http://schemas.microsoft.com/office/infopath/2007/PartnerControls"/>
-    <ds:schemaRef ds:uri="http://purl.org/dc/dcmitype/"/>
-    <ds:schemaRef ds:uri="http://purl.org/dc/elements/1.1/"/>
-    <ds:schemaRef ds:uri="e06ed288-fd75-4b50-bbed-f5a5df88c31c"/>
-    <ds:schemaRef ds:uri="http://schemas.microsoft.com/office/2006/metadata/properties"/>
-    <ds:schemaRef ds:uri="http://purl.org/dc/terms/"/>
-    <ds:schemaRef ds:uri="http://schemas.openxmlformats.org/package/2006/metadata/core-properties"/>
-    <ds:schemaRef ds:uri="92c41bee-f0ee-4aa6-9399-a35fbb883510"/>
-    <ds:schemaRef ds:uri="http://www.w3.org/XML/1998/namespace"/>
-  </ds:schemaRefs>
-</ds:datastoreItem>
-</file>
-
-<file path=customXml/itemProps2.xml><?xml version="1.0" encoding="utf-8"?>
 <ds:datastoreItem xmlns:ds="http://schemas.openxmlformats.org/officeDocument/2006/customXml" ds:itemID="{ECE8EA35-9C42-4825-ABC6-2C345E857976}">
   <ds:schemaRefs>
     <ds:schemaRef ds:uri="http://schemas.microsoft.com/office/2006/metadata/contentType"/>
@@ -24756,6 +24306,23 @@
 </ds:datastoreItem>
 </file>
 
+<file path=customXml/itemProps2.xml><?xml version="1.0" encoding="utf-8"?>
+<ds:datastoreItem xmlns:ds="http://schemas.openxmlformats.org/officeDocument/2006/customXml" ds:itemID="{05D3EE4C-68D3-4BA3-94E6-383E2DFDD168}">
+  <ds:schemaRefs>
+    <ds:schemaRef ds:uri="92c41bee-f0ee-4aa6-9399-a35fbb883510"/>
+    <ds:schemaRef ds:uri="http://schemas.microsoft.com/office/2006/metadata/properties"/>
+    <ds:schemaRef ds:uri="http://schemas.microsoft.com/office/2006/documentManagement/types"/>
+    <ds:schemaRef ds:uri="http://schemas.microsoft.com/office/infopath/2007/PartnerControls"/>
+    <ds:schemaRef ds:uri="http://purl.org/dc/terms/"/>
+    <ds:schemaRef ds:uri="http://purl.org/dc/elements/1.1/"/>
+    <ds:schemaRef ds:uri="http://schemas.openxmlformats.org/package/2006/metadata/core-properties"/>
+    <ds:schemaRef ds:uri="e06ed288-fd75-4b50-bbed-f5a5df88c31c"/>
+    <ds:schemaRef ds:uri="http://www.w3.org/XML/1998/namespace"/>
+    <ds:schemaRef ds:uri="http://purl.org/dc/dcmitype/"/>
+  </ds:schemaRefs>
+</ds:datastoreItem>
+</file>
+
 <file path=customXml/itemProps3.xml><?xml version="1.0" encoding="utf-8"?>
 <ds:datastoreItem xmlns:ds="http://schemas.openxmlformats.org/officeDocument/2006/customXml" ds:itemID="{ECBA097B-6123-4B8A-8BF9-8745C25437D5}">
   <ds:schemaRefs>

--- a/05_02FilesCS152.pptx
+++ b/05_02FilesCS152.pptx
@@ -277,23 +277,26 @@
 <pc:chgInfo xmlns:a="http://schemas.openxmlformats.org/drawingml/2006/main" xmlns:r="http://schemas.openxmlformats.org/officeDocument/2006/relationships" xmlns:ac="http://schemas.microsoft.com/office/drawing/2013/main/command" xmlns:pc="http://schemas.microsoft.com/office/powerpoint/2013/main/command">
   <pc:docChgLst>
     <pc:chgData name="Moraes,Marcia" userId="c9c67e8a-58e2-4733-9a1c-5d44fec4775b" providerId="ADAL" clId="{E99DEA61-9850-4739-A411-B35A6E00371E}"/>
+  </pc:docChgLst>
+  <pc:docChgLst>
+    <pc:chgData name="Marcia Moraes" userId="c9c67e8a-58e2-4733-9a1c-5d44fec4775b" providerId="ADAL" clId="{E6CC0268-CA86-4319-952F-E602548F49AD}"/>
     <pc:docChg chg="modSld">
-      <pc:chgData name="Moraes,Marcia" userId="c9c67e8a-58e2-4733-9a1c-5d44fec4775b" providerId="ADAL" clId="{E99DEA61-9850-4739-A411-B35A6E00371E}" dt="2023-02-12T23:31:25.080" v="2" actId="20577"/>
+      <pc:chgData name="Marcia Moraes" userId="c9c67e8a-58e2-4733-9a1c-5d44fec4775b" providerId="ADAL" clId="{E6CC0268-CA86-4319-952F-E602548F49AD}" dt="2024-09-05T21:05:59.016" v="0"/>
       <pc:docMkLst>
         <pc:docMk/>
       </pc:docMkLst>
       <pc:sldChg chg="modSp">
-        <pc:chgData name="Moraes,Marcia" userId="c9c67e8a-58e2-4733-9a1c-5d44fec4775b" providerId="ADAL" clId="{E99DEA61-9850-4739-A411-B35A6E00371E}" dt="2023-02-12T23:31:25.080" v="2" actId="20577"/>
+        <pc:chgData name="Marcia Moraes" userId="c9c67e8a-58e2-4733-9a1c-5d44fec4775b" providerId="ADAL" clId="{E6CC0268-CA86-4319-952F-E602548F49AD}" dt="2024-09-05T21:05:59.016" v="0"/>
         <pc:sldMkLst>
           <pc:docMk/>
-          <pc:sldMk cId="2954226462" sldId="268"/>
+          <pc:sldMk cId="1172125351" sldId="288"/>
         </pc:sldMkLst>
         <pc:spChg chg="mod">
-          <ac:chgData name="Moraes,Marcia" userId="c9c67e8a-58e2-4733-9a1c-5d44fec4775b" providerId="ADAL" clId="{E99DEA61-9850-4739-A411-B35A6E00371E}" dt="2023-02-12T23:31:25.080" v="2" actId="20577"/>
+          <ac:chgData name="Marcia Moraes" userId="c9c67e8a-58e2-4733-9a1c-5d44fec4775b" providerId="ADAL" clId="{E6CC0268-CA86-4319-952F-E602548F49AD}" dt="2024-09-05T21:05:59.016" v="0"/>
           <ac:spMkLst>
             <pc:docMk/>
-            <pc:sldMk cId="2954226462" sldId="268"/>
-            <ac:spMk id="7" creationId="{F1F79DD2-1F3F-234C-A44A-3A87D436D29A}"/>
+            <pc:sldMk cId="1172125351" sldId="288"/>
+            <ac:spMk id="3" creationId="{93E01694-2C32-BA4D-B6F8-4BE99716E841}"/>
           </ac:spMkLst>
         </pc:spChg>
       </pc:sldChg>
@@ -21341,12 +21344,13 @@
             </a:r>
           </a:p>
           <a:p>
-            <a:pPr>
-              <a:buClrTx/>
+            <a:pPr marL="285750" indent="-285750">
+              <a:buFont typeface="Arial" panose="020B0604020202020204" pitchFamily="34" charset="0"/>
+              <a:buChar char="•"/>
             </a:pPr>
             <a:r>
               <a:rPr lang="en-US" sz="1800" dirty="0"/>
-              <a:t>Have this written in a paper, you will turn in at the end of the class.</a:t>
+              <a:t>Write your answer in our today’s attendance assignment.</a:t>
             </a:r>
           </a:p>
         </p:txBody>
@@ -24273,18 +24277,18 @@
 </file>
 
 <file path=customXml/item2.xml><?xml version="1.0" encoding="utf-8"?>
-<p:properties xmlns:p="http://schemas.microsoft.com/office/2006/metadata/properties" xmlns:xsi="http://www.w3.org/2001/XMLSchema-instance" xmlns:pc="http://schemas.microsoft.com/office/infopath/2007/PartnerControls">
-  <documentManagement/>
-</p:properties>
-</file>
-
-<file path=customXml/item3.xml><?xml version="1.0" encoding="utf-8"?>
 <?mso-contentType ?>
 <FormTemplates xmlns="http://schemas.microsoft.com/sharepoint/v3/contenttype/forms">
   <Display>DocumentLibraryForm</Display>
   <Edit>DocumentLibraryForm</Edit>
   <New>DocumentLibraryForm</New>
 </FormTemplates>
+</file>
+
+<file path=customXml/item3.xml><?xml version="1.0" encoding="utf-8"?>
+<p:properties xmlns:p="http://schemas.microsoft.com/office/2006/metadata/properties" xmlns:xsi="http://www.w3.org/2001/XMLSchema-instance" xmlns:pc="http://schemas.microsoft.com/office/infopath/2007/PartnerControls">
+  <documentManagement/>
+</p:properties>
 </file>
 
 <file path=customXml/itemProps1.xml><?xml version="1.0" encoding="utf-8"?>
@@ -24307,26 +24311,26 @@
 </file>
 
 <file path=customXml/itemProps2.xml><?xml version="1.0" encoding="utf-8"?>
-<ds:datastoreItem xmlns:ds="http://schemas.openxmlformats.org/officeDocument/2006/customXml" ds:itemID="{05D3EE4C-68D3-4BA3-94E6-383E2DFDD168}">
+<ds:datastoreItem xmlns:ds="http://schemas.openxmlformats.org/officeDocument/2006/customXml" ds:itemID="{ECBA097B-6123-4B8A-8BF9-8745C25437D5}">
   <ds:schemaRefs>
-    <ds:schemaRef ds:uri="92c41bee-f0ee-4aa6-9399-a35fbb883510"/>
-    <ds:schemaRef ds:uri="http://schemas.microsoft.com/office/2006/metadata/properties"/>
-    <ds:schemaRef ds:uri="http://schemas.microsoft.com/office/2006/documentManagement/types"/>
-    <ds:schemaRef ds:uri="http://schemas.microsoft.com/office/infopath/2007/PartnerControls"/>
-    <ds:schemaRef ds:uri="http://purl.org/dc/terms/"/>
-    <ds:schemaRef ds:uri="http://purl.org/dc/elements/1.1/"/>
-    <ds:schemaRef ds:uri="http://schemas.openxmlformats.org/package/2006/metadata/core-properties"/>
-    <ds:schemaRef ds:uri="e06ed288-fd75-4b50-bbed-f5a5df88c31c"/>
-    <ds:schemaRef ds:uri="http://www.w3.org/XML/1998/namespace"/>
-    <ds:schemaRef ds:uri="http://purl.org/dc/dcmitype/"/>
+    <ds:schemaRef ds:uri="http://schemas.microsoft.com/sharepoint/v3/contenttype/forms"/>
   </ds:schemaRefs>
 </ds:datastoreItem>
 </file>
 
 <file path=customXml/itemProps3.xml><?xml version="1.0" encoding="utf-8"?>
-<ds:datastoreItem xmlns:ds="http://schemas.openxmlformats.org/officeDocument/2006/customXml" ds:itemID="{ECBA097B-6123-4B8A-8BF9-8745C25437D5}">
+<ds:datastoreItem xmlns:ds="http://schemas.openxmlformats.org/officeDocument/2006/customXml" ds:itemID="{05D3EE4C-68D3-4BA3-94E6-383E2DFDD168}">
   <ds:schemaRefs>
-    <ds:schemaRef ds:uri="http://schemas.microsoft.com/sharepoint/v3/contenttype/forms"/>
+    <ds:schemaRef ds:uri="92c41bee-f0ee-4aa6-9399-a35fbb883510"/>
+    <ds:schemaRef ds:uri="http://www.w3.org/XML/1998/namespace"/>
+    <ds:schemaRef ds:uri="http://purl.org/dc/dcmitype/"/>
+    <ds:schemaRef ds:uri="http://purl.org/dc/elements/1.1/"/>
+    <ds:schemaRef ds:uri="http://schemas.microsoft.com/office/2006/metadata/properties"/>
+    <ds:schemaRef ds:uri="http://schemas.microsoft.com/office/infopath/2007/PartnerControls"/>
+    <ds:schemaRef ds:uri="http://schemas.microsoft.com/office/2006/documentManagement/types"/>
+    <ds:schemaRef ds:uri="http://schemas.openxmlformats.org/package/2006/metadata/core-properties"/>
+    <ds:schemaRef ds:uri="e06ed288-fd75-4b50-bbed-f5a5df88c31c"/>
+    <ds:schemaRef ds:uri="http://purl.org/dc/terms/"/>
   </ds:schemaRefs>
 </ds:datastoreItem>
 </file>
--- a/05_02FilesCS152.pptx
+++ b/05_02FilesCS152.pptx
@@ -281,7 +281,7 @@
   <pc:docChgLst>
     <pc:chgData name="Marcia Moraes" userId="c9c67e8a-58e2-4733-9a1c-5d44fec4775b" providerId="ADAL" clId="{E6CC0268-CA86-4319-952F-E602548F49AD}"/>
     <pc:docChg chg="modSld">
-      <pc:chgData name="Marcia Moraes" userId="c9c67e8a-58e2-4733-9a1c-5d44fec4775b" providerId="ADAL" clId="{E6CC0268-CA86-4319-952F-E602548F49AD}" dt="2024-09-05T21:05:59.016" v="0"/>
+      <pc:chgData name="Marcia Moraes" userId="c9c67e8a-58e2-4733-9a1c-5d44fec4775b" providerId="ADAL" clId="{E6CC0268-CA86-4319-952F-E602548F49AD}" dt="2024-09-18T00:29:17.565" v="21" actId="20577"/>
       <pc:docMkLst>
         <pc:docMk/>
       </pc:docMkLst>
@@ -297,6 +297,21 @@
             <pc:docMk/>
             <pc:sldMk cId="1172125351" sldId="288"/>
             <ac:spMk id="3" creationId="{93E01694-2C32-BA4D-B6F8-4BE99716E841}"/>
+          </ac:spMkLst>
+        </pc:spChg>
+      </pc:sldChg>
+      <pc:sldChg chg="modSp">
+        <pc:chgData name="Marcia Moraes" userId="c9c67e8a-58e2-4733-9a1c-5d44fec4775b" providerId="ADAL" clId="{E6CC0268-CA86-4319-952F-E602548F49AD}" dt="2024-09-18T00:29:17.565" v="21" actId="20577"/>
+        <pc:sldMkLst>
+          <pc:docMk/>
+          <pc:sldMk cId="1971522944" sldId="297"/>
+        </pc:sldMkLst>
+        <pc:spChg chg="mod">
+          <ac:chgData name="Marcia Moraes" userId="c9c67e8a-58e2-4733-9a1c-5d44fec4775b" providerId="ADAL" clId="{E6CC0268-CA86-4319-952F-E602548F49AD}" dt="2024-09-18T00:29:17.565" v="21" actId="20577"/>
+          <ac:spMkLst>
+            <pc:docMk/>
+            <pc:sldMk cId="1971522944" sldId="297"/>
+            <ac:spMk id="3" creationId="{AA3AC9A6-F14C-028B-44F0-F2F465A1F04E}"/>
           </ac:spMkLst>
         </pc:spChg>
       </pc:sldChg>
@@ -20783,7 +20798,7 @@
           <a:p>
             <a:pPr lvl="1"/>
             <a:r>
-              <a:rPr lang="en-US" sz="1536"/>
+              <a:rPr lang="en-US" sz="1536" dirty="0"/>
               <a:t>replace(</a:t>
             </a:r>
             <a:r>
@@ -20832,7 +20847,15 @@
           <a:p>
             <a:r>
               <a:rPr lang="en-US" sz="1800" dirty="0"/>
-              <a:t>Download the fileExamples.py file from Canvas, that file already has reading and writing functions to work with files</a:t>
+              <a:t>Download the </a:t>
+            </a:r>
+            <a:r>
+              <a:rPr lang="en-US" sz="1800"/>
+              <a:t>read_write_files.zip file </a:t>
+            </a:r>
+            <a:r>
+              <a:rPr lang="en-US" sz="1800" dirty="0"/>
+              <a:t>from Canvas, that file already has reading and writing functions to work with files</a:t>
             </a:r>
           </a:p>
         </p:txBody>
@@ -24277,18 +24300,18 @@
 </file>
 
 <file path=customXml/item2.xml><?xml version="1.0" encoding="utf-8"?>
+<p:properties xmlns:p="http://schemas.microsoft.com/office/2006/metadata/properties" xmlns:xsi="http://www.w3.org/2001/XMLSchema-instance" xmlns:pc="http://schemas.microsoft.com/office/infopath/2007/PartnerControls">
+  <documentManagement/>
+</p:properties>
+</file>
+
+<file path=customXml/item3.xml><?xml version="1.0" encoding="utf-8"?>
 <?mso-contentType ?>
 <FormTemplates xmlns="http://schemas.microsoft.com/sharepoint/v3/contenttype/forms">
   <Display>DocumentLibraryForm</Display>
   <Edit>DocumentLibraryForm</Edit>
   <New>DocumentLibraryForm</New>
 </FormTemplates>
-</file>
-
-<file path=customXml/item3.xml><?xml version="1.0" encoding="utf-8"?>
-<p:properties xmlns:p="http://schemas.microsoft.com/office/2006/metadata/properties" xmlns:xsi="http://www.w3.org/2001/XMLSchema-instance" xmlns:pc="http://schemas.microsoft.com/office/infopath/2007/PartnerControls">
-  <documentManagement/>
-</p:properties>
 </file>
 
 <file path=customXml/itemProps1.xml><?xml version="1.0" encoding="utf-8"?>
@@ -24311,26 +24334,26 @@
 </file>
 
 <file path=customXml/itemProps2.xml><?xml version="1.0" encoding="utf-8"?>
+<ds:datastoreItem xmlns:ds="http://schemas.openxmlformats.org/officeDocument/2006/customXml" ds:itemID="{05D3EE4C-68D3-4BA3-94E6-383E2DFDD168}">
+  <ds:schemaRefs>
+    <ds:schemaRef ds:uri="http://schemas.microsoft.com/office/2006/metadata/properties"/>
+    <ds:schemaRef ds:uri="http://schemas.openxmlformats.org/package/2006/metadata/core-properties"/>
+    <ds:schemaRef ds:uri="http://schemas.microsoft.com/office/2006/documentManagement/types"/>
+    <ds:schemaRef ds:uri="http://purl.org/dc/dcmitype/"/>
+    <ds:schemaRef ds:uri="http://purl.org/dc/elements/1.1/"/>
+    <ds:schemaRef ds:uri="http://www.w3.org/XML/1998/namespace"/>
+    <ds:schemaRef ds:uri="http://schemas.microsoft.com/office/infopath/2007/PartnerControls"/>
+    <ds:schemaRef ds:uri="e06ed288-fd75-4b50-bbed-f5a5df88c31c"/>
+    <ds:schemaRef ds:uri="92c41bee-f0ee-4aa6-9399-a35fbb883510"/>
+    <ds:schemaRef ds:uri="http://purl.org/dc/terms/"/>
+  </ds:schemaRefs>
+</ds:datastoreItem>
+</file>
+
+<file path=customXml/itemProps3.xml><?xml version="1.0" encoding="utf-8"?>
 <ds:datastoreItem xmlns:ds="http://schemas.openxmlformats.org/officeDocument/2006/customXml" ds:itemID="{ECBA097B-6123-4B8A-8BF9-8745C25437D5}">
   <ds:schemaRefs>
     <ds:schemaRef ds:uri="http://schemas.microsoft.com/sharepoint/v3/contenttype/forms"/>
   </ds:schemaRefs>
 </ds:datastoreItem>
-</file>
-
-<file path=customXml/itemProps3.xml><?xml version="1.0" encoding="utf-8"?>
-<ds:datastoreItem xmlns:ds="http://schemas.openxmlformats.org/officeDocument/2006/customXml" ds:itemID="{05D3EE4C-68D3-4BA3-94E6-383E2DFDD168}">
-  <ds:schemaRefs>
-    <ds:schemaRef ds:uri="92c41bee-f0ee-4aa6-9399-a35fbb883510"/>
-    <ds:schemaRef ds:uri="http://www.w3.org/XML/1998/namespace"/>
-    <ds:schemaRef ds:uri="http://purl.org/dc/dcmitype/"/>
-    <ds:schemaRef ds:uri="http://purl.org/dc/elements/1.1/"/>
-    <ds:schemaRef ds:uri="http://schemas.microsoft.com/office/2006/metadata/properties"/>
-    <ds:schemaRef ds:uri="http://schemas.microsoft.com/office/infopath/2007/PartnerControls"/>
-    <ds:schemaRef ds:uri="http://schemas.microsoft.com/office/2006/documentManagement/types"/>
-    <ds:schemaRef ds:uri="http://schemas.openxmlformats.org/package/2006/metadata/core-properties"/>
-    <ds:schemaRef ds:uri="e06ed288-fd75-4b50-bbed-f5a5df88c31c"/>
-    <ds:schemaRef ds:uri="http://purl.org/dc/terms/"/>
-  </ds:schemaRefs>
-</ds:datastoreItem>
 </file>